--- a/space-template-16x9.pptx
+++ b/space-template-16x9.pptx
@@ -134,6 +134,7 @@
 <p1510:revInfo xmlns:a="http://schemas.openxmlformats.org/drawingml/2006/main" xmlns:r="http://schemas.openxmlformats.org/officeDocument/2006/relationships" xmlns:p1510="http://schemas.microsoft.com/office/powerpoint/2015/10/main">
   <p1510:revLst>
     <p1510:client id="{4FDDC9FD-33F5-487D-A360-82055065BFFE}" v="209" dt="2020-10-03T09:42:35.506"/>
+    <p1510:client id="{55664B77-49DD-46F1-AC43-952DAE69C361}" v="7" dt="2020-10-03T11:14:44.337"/>
   </p1510:revLst>
 </p1510:revInfo>
 </file>
@@ -4544,6 +4545,36 @@
           <a:chExt cx="0" cy="0"/>
         </a:xfrm>
       </p:grpSpPr>
+      <p:pic>
+        <p:nvPicPr>
+          <p:cNvPr id="2" name="Picture 2" descr="Diagram&#10;&#10;Description automatically generated">
+            <a:extLst>
+              <a:ext uri="{FF2B5EF4-FFF2-40B4-BE49-F238E27FC236}">
+                <a16:creationId xmlns:a16="http://schemas.microsoft.com/office/drawing/2014/main" id="{6CFF838C-D18C-4B1A-9A46-F49B429C8875}"/>
+              </a:ext>
+            </a:extLst>
+          </p:cNvPr>
+          <p:cNvPicPr>
+            <a:picLocks noChangeAspect="1"/>
+          </p:cNvPicPr>
+          <p:nvPr/>
+        </p:nvPicPr>
+        <p:blipFill>
+          <a:blip r:embed="rId3"/>
+          <a:stretch>
+            <a:fillRect/>
+          </a:stretch>
+        </p:blipFill>
+        <p:spPr>
+          <a:xfrm>
+            <a:off x="1055420" y="1788842"/>
+            <a:ext cx="7263244" cy="2567796"/>
+          </a:xfrm>
+          <a:prstGeom prst="rect">
+            <a:avLst/>
+          </a:prstGeom>
+        </p:spPr>
+      </p:pic>
     </p:spTree>
     <p:extLst>
       <p:ext uri="{BB962C8B-B14F-4D97-AF65-F5344CB8AC3E}">
